--- a/project no 4.pptx
+++ b/project no 4.pptx
@@ -10549,8 +10549,8 @@
         </p:nvSpPr>
         <p:spPr>
           <a:xfrm>
-            <a:off x="0" y="627534"/>
-            <a:ext cx="9144000" cy="4662815"/>
+            <a:off x="-27608" y="627532"/>
+            <a:ext cx="10116616" cy="5078313"/>
           </a:xfrm>
           <a:prstGeom prst="rect">
             <a:avLst/>
@@ -10586,23 +10586,11 @@
             </a:r>
             <a:r>
               <a:rPr lang="en-US" dirty="0"/>
-              <a:t> than flights to Moscow and yield </a:t>
-            </a:r>
-            <a:endParaRPr lang="en-US" dirty="0" smtClean="0"/>
-          </a:p>
-          <a:p>
-            <a:pPr>
-              <a:lnSpc>
-                <a:spcPct val="150000"/>
-              </a:lnSpc>
-            </a:pPr>
-            <a:r>
-              <a:rPr lang="en-US" dirty="0"/>
-              <a:t> </a:t>
+              <a:t> than flights to Moscow and </a:t>
             </a:r>
             <a:r>
               <a:rPr lang="en-US" dirty="0" smtClean="0"/>
-              <a:t>     higher profits</a:t>
+              <a:t>yield higher profits</a:t>
             </a:r>
             <a:r>
               <a:rPr lang="en-GB" dirty="0"/>
@@ -10829,6 +10817,32 @@
             <a:r>
               <a:rPr lang="en-US" dirty="0" smtClean="0"/>
               <a:t>     are very important for the calculating.</a:t>
+            </a:r>
+          </a:p>
+          <a:p>
+            <a:pPr>
+              <a:lnSpc>
+                <a:spcPct val="150000"/>
+              </a:lnSpc>
+            </a:pPr>
+            <a:r>
+              <a:rPr lang="en-GB" dirty="0" smtClean="0"/>
+              <a:t>5. Next flights were with low profitability to Moscow direction: 136122, 136360</a:t>
+            </a:r>
+          </a:p>
+          <a:p>
+            <a:pPr>
+              <a:lnSpc>
+                <a:spcPct val="150000"/>
+              </a:lnSpc>
+            </a:pPr>
+            <a:r>
+              <a:rPr lang="en-GB" dirty="0" smtClean="0"/>
+              <a:t>To Belgorod direction: 136620, 136642, 136807</a:t>
+            </a:r>
+            <a:r>
+              <a:rPr lang="en-GB" smtClean="0"/>
+              <a:t>, 136844.</a:t>
             </a:r>
             <a:endParaRPr lang="en-GB" dirty="0"/>
           </a:p>
